--- a/content/top/viz_gallery.pptx
+++ b/content/top/viz_gallery.pptx
@@ -105,6 +105,11 @@
       </a:defRPr>
     </a:lvl9pPr>
   </p:defaultTextStyle>
+  <p:extLst>
+    <p:ext uri="{EFAFB233-063F-42B5-8137-9DF3F51BA10A}">
+      <p15:sldGuideLst xmlns:p15="http://schemas.microsoft.com/office/powerpoint/2012/main"/>
+    </p:ext>
+  </p:extLst>
 </p:presentation>
 </file>
 
@@ -255,7 +260,7 @@
           <a:p>
             <a:fld id="{6C16F84E-1ECF-4378-B53D-E0D927CDA7DA}" type="datetimeFigureOut">
               <a:rPr lang="en-US" smtClean="0"/>
-              <a:t>12/23/2023</a:t>
+              <a:t>12/28/2023</a:t>
             </a:fld>
             <a:endParaRPr lang="en-US"/>
           </a:p>
@@ -453,7 +458,7 @@
           <a:p>
             <a:fld id="{6C16F84E-1ECF-4378-B53D-E0D927CDA7DA}" type="datetimeFigureOut">
               <a:rPr lang="en-US" smtClean="0"/>
-              <a:t>12/23/2023</a:t>
+              <a:t>12/28/2023</a:t>
             </a:fld>
             <a:endParaRPr lang="en-US"/>
           </a:p>
@@ -661,7 +666,7 @@
           <a:p>
             <a:fld id="{6C16F84E-1ECF-4378-B53D-E0D927CDA7DA}" type="datetimeFigureOut">
               <a:rPr lang="en-US" smtClean="0"/>
-              <a:t>12/23/2023</a:t>
+              <a:t>12/28/2023</a:t>
             </a:fld>
             <a:endParaRPr lang="en-US"/>
           </a:p>
@@ -859,7 +864,7 @@
           <a:p>
             <a:fld id="{6C16F84E-1ECF-4378-B53D-E0D927CDA7DA}" type="datetimeFigureOut">
               <a:rPr lang="en-US" smtClean="0"/>
-              <a:t>12/23/2023</a:t>
+              <a:t>12/28/2023</a:t>
             </a:fld>
             <a:endParaRPr lang="en-US"/>
           </a:p>
@@ -1134,7 +1139,7 @@
           <a:p>
             <a:fld id="{6C16F84E-1ECF-4378-B53D-E0D927CDA7DA}" type="datetimeFigureOut">
               <a:rPr lang="en-US" smtClean="0"/>
-              <a:t>12/23/2023</a:t>
+              <a:t>12/28/2023</a:t>
             </a:fld>
             <a:endParaRPr lang="en-US"/>
           </a:p>
@@ -1399,7 +1404,7 @@
           <a:p>
             <a:fld id="{6C16F84E-1ECF-4378-B53D-E0D927CDA7DA}" type="datetimeFigureOut">
               <a:rPr lang="en-US" smtClean="0"/>
-              <a:t>12/23/2023</a:t>
+              <a:t>12/28/2023</a:t>
             </a:fld>
             <a:endParaRPr lang="en-US"/>
           </a:p>
@@ -1811,7 +1816,7 @@
           <a:p>
             <a:fld id="{6C16F84E-1ECF-4378-B53D-E0D927CDA7DA}" type="datetimeFigureOut">
               <a:rPr lang="en-US" smtClean="0"/>
-              <a:t>12/23/2023</a:t>
+              <a:t>12/28/2023</a:t>
             </a:fld>
             <a:endParaRPr lang="en-US"/>
           </a:p>
@@ -1952,7 +1957,7 @@
           <a:p>
             <a:fld id="{6C16F84E-1ECF-4378-B53D-E0D927CDA7DA}" type="datetimeFigureOut">
               <a:rPr lang="en-US" smtClean="0"/>
-              <a:t>12/23/2023</a:t>
+              <a:t>12/28/2023</a:t>
             </a:fld>
             <a:endParaRPr lang="en-US"/>
           </a:p>
@@ -2065,7 +2070,7 @@
           <a:p>
             <a:fld id="{6C16F84E-1ECF-4378-B53D-E0D927CDA7DA}" type="datetimeFigureOut">
               <a:rPr lang="en-US" smtClean="0"/>
-              <a:t>12/23/2023</a:t>
+              <a:t>12/28/2023</a:t>
             </a:fld>
             <a:endParaRPr lang="en-US"/>
           </a:p>
@@ -2376,7 +2381,7 @@
           <a:p>
             <a:fld id="{6C16F84E-1ECF-4378-B53D-E0D927CDA7DA}" type="datetimeFigureOut">
               <a:rPr lang="en-US" smtClean="0"/>
-              <a:t>12/23/2023</a:t>
+              <a:t>12/28/2023</a:t>
             </a:fld>
             <a:endParaRPr lang="en-US"/>
           </a:p>
@@ -2664,7 +2669,7 @@
           <a:p>
             <a:fld id="{6C16F84E-1ECF-4378-B53D-E0D927CDA7DA}" type="datetimeFigureOut">
               <a:rPr lang="en-US" smtClean="0"/>
-              <a:t>12/23/2023</a:t>
+              <a:t>12/28/2023</a:t>
             </a:fld>
             <a:endParaRPr lang="en-US"/>
           </a:p>
@@ -2905,7 +2910,7 @@
           <a:p>
             <a:fld id="{6C16F84E-1ECF-4378-B53D-E0D927CDA7DA}" type="datetimeFigureOut">
               <a:rPr lang="en-US" smtClean="0"/>
-              <a:t>12/23/2023</a:t>
+              <a:t>12/28/2023</a:t>
             </a:fld>
             <a:endParaRPr lang="en-US"/>
           </a:p>
@@ -4110,10 +4115,10 @@
         </p:nvGrpSpPr>
         <p:grpSpPr>
           <a:xfrm>
-            <a:off x="6151705" y="2143574"/>
-            <a:ext cx="2428860" cy="2247466"/>
-            <a:chOff x="4282156" y="101435"/>
-            <a:chExt cx="2428860" cy="2247466"/>
+            <a:off x="6147297" y="2150990"/>
+            <a:ext cx="2363110" cy="2182547"/>
+            <a:chOff x="4277748" y="108851"/>
+            <a:chExt cx="2363110" cy="2182547"/>
           </a:xfrm>
         </p:grpSpPr>
         <p:pic>
@@ -4138,13 +4143,13 @@
                 </a:ext>
               </a:extLst>
             </a:blip>
-            <a:srcRect l="11421" t="22406" r="2209" b="7658"/>
+            <a:srcRect l="-3482" t="4178" r="-8830" b="5999"/>
             <a:stretch/>
           </p:blipFill>
           <p:spPr>
             <a:xfrm>
-              <a:off x="4282156" y="101435"/>
-              <a:ext cx="2428860" cy="2247466"/>
+              <a:off x="4277748" y="119723"/>
+              <a:ext cx="2360116" cy="2157069"/>
             </a:xfrm>
             <a:prstGeom prst="ellipse">
               <a:avLst/>
@@ -4357,7 +4362,7 @@
                 </a:ext>
               </a:extLst>
             </a:blip>
-            <a:srcRect l="11797" t="2237" r="4295" b="39965"/>
+            <a:srcRect l="10327" t="13953" r="4915" b="27664"/>
             <a:stretch/>
           </p:blipFill>
           <p:spPr>
@@ -4390,7 +4395,7 @@
           </p:nvSpPr>
           <p:spPr>
             <a:xfrm>
-              <a:off x="2770633" y="2175460"/>
+              <a:off x="2779777" y="2138884"/>
               <a:ext cx="2358701" cy="2182547"/>
             </a:xfrm>
             <a:prstGeom prst="ellipse">

--- a/content/top/viz_gallery.pptx
+++ b/content/top/viz_gallery.pptx
@@ -260,7 +260,7 @@
           <a:p>
             <a:fld id="{6C16F84E-1ECF-4378-B53D-E0D927CDA7DA}" type="datetimeFigureOut">
               <a:rPr lang="en-US" smtClean="0"/>
-              <a:t>12/28/2023</a:t>
+              <a:t>12/29/2023</a:t>
             </a:fld>
             <a:endParaRPr lang="en-US"/>
           </a:p>
@@ -458,7 +458,7 @@
           <a:p>
             <a:fld id="{6C16F84E-1ECF-4378-B53D-E0D927CDA7DA}" type="datetimeFigureOut">
               <a:rPr lang="en-US" smtClean="0"/>
-              <a:t>12/28/2023</a:t>
+              <a:t>12/29/2023</a:t>
             </a:fld>
             <a:endParaRPr lang="en-US"/>
           </a:p>
@@ -666,7 +666,7 @@
           <a:p>
             <a:fld id="{6C16F84E-1ECF-4378-B53D-E0D927CDA7DA}" type="datetimeFigureOut">
               <a:rPr lang="en-US" smtClean="0"/>
-              <a:t>12/28/2023</a:t>
+              <a:t>12/29/2023</a:t>
             </a:fld>
             <a:endParaRPr lang="en-US"/>
           </a:p>
@@ -864,7 +864,7 @@
           <a:p>
             <a:fld id="{6C16F84E-1ECF-4378-B53D-E0D927CDA7DA}" type="datetimeFigureOut">
               <a:rPr lang="en-US" smtClean="0"/>
-              <a:t>12/28/2023</a:t>
+              <a:t>12/29/2023</a:t>
             </a:fld>
             <a:endParaRPr lang="en-US"/>
           </a:p>
@@ -1139,7 +1139,7 @@
           <a:p>
             <a:fld id="{6C16F84E-1ECF-4378-B53D-E0D927CDA7DA}" type="datetimeFigureOut">
               <a:rPr lang="en-US" smtClean="0"/>
-              <a:t>12/28/2023</a:t>
+              <a:t>12/29/2023</a:t>
             </a:fld>
             <a:endParaRPr lang="en-US"/>
           </a:p>
@@ -1404,7 +1404,7 @@
           <a:p>
             <a:fld id="{6C16F84E-1ECF-4378-B53D-E0D927CDA7DA}" type="datetimeFigureOut">
               <a:rPr lang="en-US" smtClean="0"/>
-              <a:t>12/28/2023</a:t>
+              <a:t>12/29/2023</a:t>
             </a:fld>
             <a:endParaRPr lang="en-US"/>
           </a:p>
@@ -1816,7 +1816,7 @@
           <a:p>
             <a:fld id="{6C16F84E-1ECF-4378-B53D-E0D927CDA7DA}" type="datetimeFigureOut">
               <a:rPr lang="en-US" smtClean="0"/>
-              <a:t>12/28/2023</a:t>
+              <a:t>12/29/2023</a:t>
             </a:fld>
             <a:endParaRPr lang="en-US"/>
           </a:p>
@@ -1957,7 +1957,7 @@
           <a:p>
             <a:fld id="{6C16F84E-1ECF-4378-B53D-E0D927CDA7DA}" type="datetimeFigureOut">
               <a:rPr lang="en-US" smtClean="0"/>
-              <a:t>12/28/2023</a:t>
+              <a:t>12/29/2023</a:t>
             </a:fld>
             <a:endParaRPr lang="en-US"/>
           </a:p>
@@ -2070,7 +2070,7 @@
           <a:p>
             <a:fld id="{6C16F84E-1ECF-4378-B53D-E0D927CDA7DA}" type="datetimeFigureOut">
               <a:rPr lang="en-US" smtClean="0"/>
-              <a:t>12/28/2023</a:t>
+              <a:t>12/29/2023</a:t>
             </a:fld>
             <a:endParaRPr lang="en-US"/>
           </a:p>
@@ -2381,7 +2381,7 @@
           <a:p>
             <a:fld id="{6C16F84E-1ECF-4378-B53D-E0D927CDA7DA}" type="datetimeFigureOut">
               <a:rPr lang="en-US" smtClean="0"/>
-              <a:t>12/28/2023</a:t>
+              <a:t>12/29/2023</a:t>
             </a:fld>
             <a:endParaRPr lang="en-US"/>
           </a:p>
@@ -2669,7 +2669,7 @@
           <a:p>
             <a:fld id="{6C16F84E-1ECF-4378-B53D-E0D927CDA7DA}" type="datetimeFigureOut">
               <a:rPr lang="en-US" smtClean="0"/>
-              <a:t>12/28/2023</a:t>
+              <a:t>12/29/2023</a:t>
             </a:fld>
             <a:endParaRPr lang="en-US"/>
           </a:p>
@@ -2910,7 +2910,7 @@
           <a:p>
             <a:fld id="{6C16F84E-1ECF-4378-B53D-E0D927CDA7DA}" type="datetimeFigureOut">
               <a:rPr lang="en-US" smtClean="0"/>
-              <a:t>12/28/2023</a:t>
+              <a:t>12/29/2023</a:t>
             </a:fld>
             <a:endParaRPr lang="en-US"/>
           </a:p>
@@ -3649,7 +3649,7 @@
         </p:nvGrpSpPr>
         <p:grpSpPr>
           <a:xfrm>
-            <a:off x="9421367" y="-11674"/>
+            <a:off x="4275368" y="-162560"/>
             <a:ext cx="2428860" cy="2475926"/>
             <a:chOff x="8874170" y="2011140"/>
             <a:chExt cx="2428860" cy="2475926"/>
@@ -3758,7 +3758,7 @@
         </p:nvGrpSpPr>
         <p:grpSpPr>
           <a:xfrm>
-            <a:off x="4167457" y="4358007"/>
+            <a:off x="7494806" y="65900"/>
             <a:ext cx="2428860" cy="2247466"/>
             <a:chOff x="4282156" y="101435"/>
             <a:chExt cx="2428860" cy="2247466"/>
@@ -3867,7 +3867,7 @@
         </p:nvGrpSpPr>
         <p:grpSpPr>
           <a:xfrm>
-            <a:off x="8554355" y="2823903"/>
+            <a:off x="8590931" y="2305267"/>
             <a:ext cx="2428860" cy="2247466"/>
             <a:chOff x="8554355" y="2823903"/>
             <a:chExt cx="2428860" cy="2247466"/>
@@ -3962,6 +3962,68 @@
           </p:txBody>
         </p:sp>
       </p:grpSp>
+      <p:pic>
+        <p:nvPicPr>
+          <p:cNvPr id="2" name="Picture 1">
+            <a:extLst>
+              <a:ext uri="{FF2B5EF4-FFF2-40B4-BE49-F238E27FC236}">
+                <a16:creationId xmlns:a16="http://schemas.microsoft.com/office/drawing/2014/main" id="{0F29AEED-CF4F-4DB6-A4A1-410CCD8C981F}"/>
+              </a:ext>
+            </a:extLst>
+          </p:cNvPr>
+          <p:cNvPicPr>
+            <a:picLocks noChangeAspect="1"/>
+          </p:cNvPicPr>
+          <p:nvPr/>
+        </p:nvPicPr>
+        <p:blipFill rotWithShape="1">
+          <a:blip r:embed="rId8" cstate="print">
+            <a:extLst>
+              <a:ext uri="{BEBA8EAE-BF5A-486C-A8C5-ECC9F3942E4B}">
+                <a14:imgProps xmlns:a14="http://schemas.microsoft.com/office/drawing/2010/main">
+                  <a14:imgLayer r:embed="rId9">
+                    <a14:imgEffect>
+                      <a14:backgroundRemoval t="1704" b="22412" l="2155" r="15431">
+                        <a14:foregroundMark x1="3103" y1="16383" x2="5000" y2="13106"/>
+                      </a14:backgroundRemoval>
+                    </a14:imgEffect>
+                    <a14:imgEffect>
+                      <a14:sharpenSoften amount="50000"/>
+                    </a14:imgEffect>
+                    <a14:imgEffect>
+                      <a14:brightnessContrast bright="-40000" contrast="40000"/>
+                    </a14:imgEffect>
+                  </a14:imgLayer>
+                </a14:imgProps>
+              </a:ext>
+              <a:ext uri="{28A0092B-C50C-407E-A947-70E740481C1C}">
+                <a14:useLocalDpi xmlns:a14="http://schemas.microsoft.com/office/drawing/2010/main" val="0"/>
+              </a:ext>
+            </a:extLst>
+          </a:blip>
+          <a:srcRect l="325" t="2390" r="83930" b="77982"/>
+          <a:stretch/>
+        </p:blipFill>
+        <p:spPr>
+          <a:xfrm rot="8970495" flipH="1">
+            <a:off x="260575" y="261576"/>
+            <a:ext cx="1030404" cy="785850"/>
+          </a:xfrm>
+          <a:prstGeom prst="rect">
+            <a:avLst/>
+          </a:prstGeom>
+          <a:ln w="228600" cap="sq" cmpd="thickThin">
+            <a:noFill/>
+            <a:prstDash val="solid"/>
+            <a:miter lim="800000"/>
+          </a:ln>
+          <a:effectLst>
+            <a:innerShdw blurRad="76200">
+              <a:srgbClr val="000000"/>
+            </a:innerShdw>
+          </a:effectLst>
+        </p:spPr>
+      </p:pic>
     </p:spTree>
     <p:extLst>
       <p:ext uri="{BB962C8B-B14F-4D97-AF65-F5344CB8AC3E}">

--- a/content/top/viz_gallery.pptx
+++ b/content/top/viz_gallery.pptx
@@ -7,6 +7,7 @@
   <p:sldIdLst>
     <p:sldId id="258" r:id="rId2"/>
     <p:sldId id="259" r:id="rId3"/>
+    <p:sldId id="260" r:id="rId4"/>
   </p:sldIdLst>
   <p:sldSz cx="12192000" cy="6858000"/>
   <p:notesSz cx="6858000" cy="9144000"/>
@@ -260,7 +261,7 @@
           <a:p>
             <a:fld id="{6C16F84E-1ECF-4378-B53D-E0D927CDA7DA}" type="datetimeFigureOut">
               <a:rPr lang="en-US" smtClean="0"/>
-              <a:t>12/29/2023</a:t>
+              <a:t>3/20/2024</a:t>
             </a:fld>
             <a:endParaRPr lang="en-US"/>
           </a:p>
@@ -458,7 +459,7 @@
           <a:p>
             <a:fld id="{6C16F84E-1ECF-4378-B53D-E0D927CDA7DA}" type="datetimeFigureOut">
               <a:rPr lang="en-US" smtClean="0"/>
-              <a:t>12/29/2023</a:t>
+              <a:t>3/20/2024</a:t>
             </a:fld>
             <a:endParaRPr lang="en-US"/>
           </a:p>
@@ -666,7 +667,7 @@
           <a:p>
             <a:fld id="{6C16F84E-1ECF-4378-B53D-E0D927CDA7DA}" type="datetimeFigureOut">
               <a:rPr lang="en-US" smtClean="0"/>
-              <a:t>12/29/2023</a:t>
+              <a:t>3/20/2024</a:t>
             </a:fld>
             <a:endParaRPr lang="en-US"/>
           </a:p>
@@ -864,7 +865,7 @@
           <a:p>
             <a:fld id="{6C16F84E-1ECF-4378-B53D-E0D927CDA7DA}" type="datetimeFigureOut">
               <a:rPr lang="en-US" smtClean="0"/>
-              <a:t>12/29/2023</a:t>
+              <a:t>3/20/2024</a:t>
             </a:fld>
             <a:endParaRPr lang="en-US"/>
           </a:p>
@@ -1139,7 +1140,7 @@
           <a:p>
             <a:fld id="{6C16F84E-1ECF-4378-B53D-E0D927CDA7DA}" type="datetimeFigureOut">
               <a:rPr lang="en-US" smtClean="0"/>
-              <a:t>12/29/2023</a:t>
+              <a:t>3/20/2024</a:t>
             </a:fld>
             <a:endParaRPr lang="en-US"/>
           </a:p>
@@ -1404,7 +1405,7 @@
           <a:p>
             <a:fld id="{6C16F84E-1ECF-4378-B53D-E0D927CDA7DA}" type="datetimeFigureOut">
               <a:rPr lang="en-US" smtClean="0"/>
-              <a:t>12/29/2023</a:t>
+              <a:t>3/20/2024</a:t>
             </a:fld>
             <a:endParaRPr lang="en-US"/>
           </a:p>
@@ -1816,7 +1817,7 @@
           <a:p>
             <a:fld id="{6C16F84E-1ECF-4378-B53D-E0D927CDA7DA}" type="datetimeFigureOut">
               <a:rPr lang="en-US" smtClean="0"/>
-              <a:t>12/29/2023</a:t>
+              <a:t>3/20/2024</a:t>
             </a:fld>
             <a:endParaRPr lang="en-US"/>
           </a:p>
@@ -1957,7 +1958,7 @@
           <a:p>
             <a:fld id="{6C16F84E-1ECF-4378-B53D-E0D927CDA7DA}" type="datetimeFigureOut">
               <a:rPr lang="en-US" smtClean="0"/>
-              <a:t>12/29/2023</a:t>
+              <a:t>3/20/2024</a:t>
             </a:fld>
             <a:endParaRPr lang="en-US"/>
           </a:p>
@@ -2070,7 +2071,7 @@
           <a:p>
             <a:fld id="{6C16F84E-1ECF-4378-B53D-E0D927CDA7DA}" type="datetimeFigureOut">
               <a:rPr lang="en-US" smtClean="0"/>
-              <a:t>12/29/2023</a:t>
+              <a:t>3/20/2024</a:t>
             </a:fld>
             <a:endParaRPr lang="en-US"/>
           </a:p>
@@ -2381,7 +2382,7 @@
           <a:p>
             <a:fld id="{6C16F84E-1ECF-4378-B53D-E0D927CDA7DA}" type="datetimeFigureOut">
               <a:rPr lang="en-US" smtClean="0"/>
-              <a:t>12/29/2023</a:t>
+              <a:t>3/20/2024</a:t>
             </a:fld>
             <a:endParaRPr lang="en-US"/>
           </a:p>
@@ -2669,7 +2670,7 @@
           <a:p>
             <a:fld id="{6C16F84E-1ECF-4378-B53D-E0D927CDA7DA}" type="datetimeFigureOut">
               <a:rPr lang="en-US" smtClean="0"/>
-              <a:t>12/29/2023</a:t>
+              <a:t>3/20/2024</a:t>
             </a:fld>
             <a:endParaRPr lang="en-US"/>
           </a:p>
@@ -2910,7 +2911,7 @@
           <a:p>
             <a:fld id="{6C16F84E-1ECF-4378-B53D-E0D927CDA7DA}" type="datetimeFigureOut">
               <a:rPr lang="en-US" smtClean="0"/>
-              <a:t>12/29/2023</a:t>
+              <a:t>3/20/2024</a:t>
             </a:fld>
             <a:endParaRPr lang="en-US"/>
           </a:p>
@@ -4504,6 +4505,310 @@
 </p:sld>
 </file>
 
+<file path=ppt/slides/slide3.xml><?xml version="1.0" encoding="utf-8"?>
+<p:sld xmlns:a="http://schemas.openxmlformats.org/drawingml/2006/main" xmlns:r="http://schemas.openxmlformats.org/officeDocument/2006/relationships" xmlns:p="http://schemas.openxmlformats.org/presentationml/2006/main">
+  <p:cSld>
+    <p:spTree>
+      <p:nvGrpSpPr>
+        <p:cNvPr id="1" name=""/>
+        <p:cNvGrpSpPr/>
+        <p:nvPr/>
+      </p:nvGrpSpPr>
+      <p:grpSpPr>
+        <a:xfrm>
+          <a:off x="0" y="0"/>
+          <a:ext cx="0" cy="0"/>
+          <a:chOff x="0" y="0"/>
+          <a:chExt cx="0" cy="0"/>
+        </a:xfrm>
+      </p:grpSpPr>
+      <p:pic>
+        <p:nvPicPr>
+          <p:cNvPr id="35" name="Picture 34" descr="A map of the world&#10;&#10;Description automatically generated">
+            <a:extLst>
+              <a:ext uri="{FF2B5EF4-FFF2-40B4-BE49-F238E27FC236}">
+                <a16:creationId xmlns:a16="http://schemas.microsoft.com/office/drawing/2014/main" id="{744EC635-ABF7-D069-F9BD-F9192CA01DFF}"/>
+              </a:ext>
+            </a:extLst>
+          </p:cNvPr>
+          <p:cNvPicPr>
+            <a:picLocks noChangeAspect="1"/>
+          </p:cNvPicPr>
+          <p:nvPr/>
+        </p:nvPicPr>
+        <p:blipFill rotWithShape="1">
+          <a:blip r:embed="rId2">
+            <a:extLst>
+              <a:ext uri="{28A0092B-C50C-407E-A947-70E740481C1C}">
+                <a14:useLocalDpi xmlns:a14="http://schemas.microsoft.com/office/drawing/2010/main" val="0"/>
+              </a:ext>
+            </a:extLst>
+          </a:blip>
+          <a:srcRect l="-14135" t="4378" r="23450" b="11747"/>
+          <a:stretch/>
+        </p:blipFill>
+        <p:spPr>
+          <a:xfrm>
+            <a:off x="4716353" y="677536"/>
+            <a:ext cx="5986844" cy="5490941"/>
+          </a:xfrm>
+          <a:prstGeom prst="rect">
+            <a:avLst/>
+          </a:prstGeom>
+        </p:spPr>
+      </p:pic>
+      <p:pic>
+        <p:nvPicPr>
+          <p:cNvPr id="37" name="Picture 36" descr="A chart with numbers and a number of data&#10;&#10;Description automatically generated with medium confidence">
+            <a:extLst>
+              <a:ext uri="{FF2B5EF4-FFF2-40B4-BE49-F238E27FC236}">
+                <a16:creationId xmlns:a16="http://schemas.microsoft.com/office/drawing/2014/main" id="{439E73B7-8713-DA9A-6054-8358DF8CECBD}"/>
+              </a:ext>
+            </a:extLst>
+          </p:cNvPr>
+          <p:cNvPicPr>
+            <a:picLocks noChangeAspect="1"/>
+          </p:cNvPicPr>
+          <p:nvPr/>
+        </p:nvPicPr>
+        <p:blipFill rotWithShape="1">
+          <a:blip r:embed="rId3">
+            <a:extLst>
+              <a:ext uri="{28A0092B-C50C-407E-A947-70E740481C1C}">
+                <a14:useLocalDpi xmlns:a14="http://schemas.microsoft.com/office/drawing/2010/main" val="0"/>
+              </a:ext>
+            </a:extLst>
+          </a:blip>
+          <a:srcRect l="22689" t="22463" r="26670" b="11839"/>
+          <a:stretch/>
+        </p:blipFill>
+        <p:spPr>
+          <a:xfrm>
+            <a:off x="4324863" y="690562"/>
+            <a:ext cx="4818964" cy="5552046"/>
+          </a:xfrm>
+          <a:prstGeom prst="trapezoid">
+            <a:avLst/>
+          </a:prstGeom>
+          <a:effectLst>
+            <a:outerShdw blurRad="50800" dist="38100" algn="l" rotWithShape="0">
+              <a:prstClr val="black">
+                <a:alpha val="40000"/>
+              </a:prstClr>
+            </a:outerShdw>
+          </a:effectLst>
+        </p:spPr>
+      </p:pic>
+      <p:pic>
+        <p:nvPicPr>
+          <p:cNvPr id="38" name="Picture 37" descr="A screenshot of a graph&#10;&#10;Description automatically generated">
+            <a:extLst>
+              <a:ext uri="{FF2B5EF4-FFF2-40B4-BE49-F238E27FC236}">
+                <a16:creationId xmlns:a16="http://schemas.microsoft.com/office/drawing/2014/main" id="{9876D7ED-7EAE-444B-E053-A600788BEC40}"/>
+              </a:ext>
+            </a:extLst>
+          </p:cNvPr>
+          <p:cNvPicPr>
+            <a:picLocks noChangeAspect="1"/>
+          </p:cNvPicPr>
+          <p:nvPr/>
+        </p:nvPicPr>
+        <p:blipFill rotWithShape="1">
+          <a:blip r:embed="rId4">
+            <a:extLst>
+              <a:ext uri="{28A0092B-C50C-407E-A947-70E740481C1C}">
+                <a14:useLocalDpi xmlns:a14="http://schemas.microsoft.com/office/drawing/2010/main" val="0"/>
+              </a:ext>
+            </a:extLst>
+          </a:blip>
+          <a:srcRect l="19294" t="627" r="15461" b="10413"/>
+          <a:stretch/>
+        </p:blipFill>
+        <p:spPr>
+          <a:xfrm>
+            <a:off x="2504749" y="681936"/>
+            <a:ext cx="4699365" cy="5476875"/>
+          </a:xfrm>
+          <a:prstGeom prst="trapezoid">
+            <a:avLst/>
+          </a:prstGeom>
+          <a:effectLst>
+            <a:outerShdw blurRad="50800" dist="38100" algn="l" rotWithShape="0">
+              <a:prstClr val="black">
+                <a:alpha val="40000"/>
+              </a:prstClr>
+            </a:outerShdw>
+          </a:effectLst>
+        </p:spPr>
+      </p:pic>
+      <p:pic>
+        <p:nvPicPr>
+          <p:cNvPr id="39" name="Picture 38" descr="A graph with dots and lines&#10;&#10;Description automatically generated">
+            <a:extLst>
+              <a:ext uri="{FF2B5EF4-FFF2-40B4-BE49-F238E27FC236}">
+                <a16:creationId xmlns:a16="http://schemas.microsoft.com/office/drawing/2014/main" id="{38C81B02-639A-5867-80B4-7C9D55CD180B}"/>
+              </a:ext>
+            </a:extLst>
+          </p:cNvPr>
+          <p:cNvPicPr>
+            <a:picLocks noChangeAspect="1"/>
+          </p:cNvPicPr>
+          <p:nvPr/>
+        </p:nvPicPr>
+        <p:blipFill rotWithShape="1">
+          <a:blip r:embed="rId5">
+            <a:extLst>
+              <a:ext uri="{28A0092B-C50C-407E-A947-70E740481C1C}">
+                <a14:useLocalDpi xmlns:a14="http://schemas.microsoft.com/office/drawing/2010/main" val="0"/>
+              </a:ext>
+            </a:extLst>
+          </a:blip>
+          <a:srcRect l="16645" t="10528" r="19623" b="7096"/>
+          <a:stretch/>
+        </p:blipFill>
+        <p:spPr>
+          <a:xfrm>
+            <a:off x="1034432" y="706708"/>
+            <a:ext cx="3953455" cy="5474795"/>
+          </a:xfrm>
+          <a:prstGeom prst="trapezoid">
+            <a:avLst/>
+          </a:prstGeom>
+          <a:effectLst>
+            <a:outerShdw blurRad="50800" dist="38100" algn="l" rotWithShape="0">
+              <a:prstClr val="black">
+                <a:alpha val="40000"/>
+              </a:prstClr>
+            </a:outerShdw>
+          </a:effectLst>
+        </p:spPr>
+      </p:pic>
+      <p:pic>
+        <p:nvPicPr>
+          <p:cNvPr id="40" name="Picture 39" descr="A map of the country&#10;&#10;Description automatically generated">
+            <a:extLst>
+              <a:ext uri="{FF2B5EF4-FFF2-40B4-BE49-F238E27FC236}">
+                <a16:creationId xmlns:a16="http://schemas.microsoft.com/office/drawing/2014/main" id="{8E8A796B-49A7-F077-C64F-6FECE06CAC87}"/>
+              </a:ext>
+            </a:extLst>
+          </p:cNvPr>
+          <p:cNvPicPr>
+            <a:picLocks noChangeAspect="1"/>
+          </p:cNvPicPr>
+          <p:nvPr/>
+        </p:nvPicPr>
+        <p:blipFill rotWithShape="1">
+          <a:blip r:embed="rId6">
+            <a:extLst>
+              <a:ext uri="{28A0092B-C50C-407E-A947-70E740481C1C}">
+                <a14:useLocalDpi xmlns:a14="http://schemas.microsoft.com/office/drawing/2010/main" val="0"/>
+              </a:ext>
+            </a:extLst>
+          </a:blip>
+          <a:srcRect l="-6250" t="4057" r="32874" b="6009"/>
+          <a:stretch/>
+        </p:blipFill>
+        <p:spPr>
+          <a:xfrm>
+            <a:off x="-909833" y="706709"/>
+            <a:ext cx="3954957" cy="5476875"/>
+          </a:xfrm>
+          <a:prstGeom prst="trapezoid">
+            <a:avLst/>
+          </a:prstGeom>
+          <a:effectLst>
+            <a:outerShdw blurRad="50800" dist="38100" algn="l" rotWithShape="0">
+              <a:prstClr val="black">
+                <a:alpha val="40000"/>
+              </a:prstClr>
+            </a:outerShdw>
+          </a:effectLst>
+        </p:spPr>
+      </p:pic>
+      <p:sp>
+        <p:nvSpPr>
+          <p:cNvPr id="41" name="TextBox 40">
+            <a:extLst>
+              <a:ext uri="{FF2B5EF4-FFF2-40B4-BE49-F238E27FC236}">
+                <a16:creationId xmlns:a16="http://schemas.microsoft.com/office/drawing/2014/main" id="{4C7F19F1-D0A6-78A0-C525-E9A9EAAB810B}"/>
+              </a:ext>
+            </a:extLst>
+          </p:cNvPr>
+          <p:cNvSpPr txBox="1"/>
+          <p:nvPr/>
+        </p:nvSpPr>
+        <p:spPr>
+          <a:xfrm>
+            <a:off x="1587898" y="2061712"/>
+            <a:ext cx="7772742" cy="1938992"/>
+          </a:xfrm>
+          <a:prstGeom prst="rect">
+            <a:avLst/>
+          </a:prstGeom>
+          <a:solidFill>
+            <a:schemeClr val="bg1"/>
+          </a:solidFill>
+          <a:ln w="38100">
+            <a:solidFill>
+              <a:schemeClr val="tx1"/>
+            </a:solidFill>
+          </a:ln>
+        </p:spPr>
+        <p:txBody>
+          <a:bodyPr wrap="square" rtlCol="0">
+            <a:spAutoFit/>
+          </a:bodyPr>
+          <a:lstStyle/>
+          <a:p>
+            <a:pPr algn="ctr"/>
+            <a:r>
+              <a:rPr lang="en-US" sz="7200" dirty="0">
+                <a:latin typeface="Berlin Sans FB Demi" panose="020E0802020502020306" pitchFamily="34" charset="0"/>
+              </a:rPr>
+              <a:t>Le-Huynh Truc-Ly</a:t>
+            </a:r>
+          </a:p>
+          <a:p>
+            <a:pPr algn="ctr"/>
+            <a:r>
+              <a:rPr lang="en-US" sz="2400" i="0" dirty="0">
+                <a:effectLst/>
+                <a:latin typeface="Posterama" panose="020B0504020200020000" pitchFamily="34" charset="0"/>
+                <a:cs typeface="Posterama" panose="020B0504020200020000" pitchFamily="34" charset="0"/>
+              </a:rPr>
+              <a:t>An R enthusiast driven by </a:t>
+            </a:r>
+          </a:p>
+          <a:p>
+            <a:pPr algn="ctr"/>
+            <a:r>
+              <a:rPr lang="en-US" sz="2400" i="0" dirty="0">
+                <a:effectLst/>
+                <a:latin typeface="Posterama" panose="020B0504020200020000" pitchFamily="34" charset="0"/>
+                <a:cs typeface="Posterama" panose="020B0504020200020000" pitchFamily="34" charset="0"/>
+              </a:rPr>
+              <a:t>environmental concern and a love for nature</a:t>
+            </a:r>
+            <a:endParaRPr lang="en-US" sz="2400" dirty="0">
+              <a:latin typeface="Posterama" panose="020B0504020200020000" pitchFamily="34" charset="0"/>
+              <a:cs typeface="Posterama" panose="020B0504020200020000" pitchFamily="34" charset="0"/>
+            </a:endParaRPr>
+          </a:p>
+        </p:txBody>
+      </p:sp>
+    </p:spTree>
+    <p:extLst>
+      <p:ext uri="{BB962C8B-B14F-4D97-AF65-F5344CB8AC3E}">
+        <p14:creationId xmlns:p14="http://schemas.microsoft.com/office/powerpoint/2010/main" val="3425805301"/>
+      </p:ext>
+    </p:extLst>
+  </p:cSld>
+  <p:clrMapOvr>
+    <a:masterClrMapping/>
+  </p:clrMapOvr>
+</p:sld>
+</file>
+
 <file path=ppt/theme/theme1.xml><?xml version="1.0" encoding="utf-8"?>
 <a:theme xmlns:a="http://schemas.openxmlformats.org/drawingml/2006/main" name="Office Theme">
   <a:themeElements>
